--- a/UI_UX PLG2050.pptx
+++ b/UI_UX PLG2050.pptx
@@ -12,8 +12,7 @@
     <p:sldId id="261" r:id="rId6"/>
     <p:sldId id="262" r:id="rId7"/>
     <p:sldId id="263" r:id="rId8"/>
-    <p:sldId id="265" r:id="rId9"/>
-    <p:sldId id="264" r:id="rId10"/>
+    <p:sldId id="264" r:id="rId9"/>
   </p:sldIdLst>
   <p:sldSz cx="12192000" cy="6858000"/>
   <p:notesSz cx="6858000" cy="9144000"/>
@@ -267,7 +266,7 @@
           <a:p>
             <a:fld id="{051BCEE5-4571-483C-A34B-21B4572F622D}" type="datetimeFigureOut">
               <a:rPr lang="en-US" smtClean="0"/>
-              <a:t>2/12/2023</a:t>
+              <a:t>2/11/2023</a:t>
             </a:fld>
             <a:endParaRPr lang="en-US"/>
           </a:p>
@@ -465,7 +464,7 @@
           <a:p>
             <a:fld id="{051BCEE5-4571-483C-A34B-21B4572F622D}" type="datetimeFigureOut">
               <a:rPr lang="en-US" smtClean="0"/>
-              <a:t>2/12/2023</a:t>
+              <a:t>2/11/2023</a:t>
             </a:fld>
             <a:endParaRPr lang="en-US"/>
           </a:p>
@@ -673,7 +672,7 @@
           <a:p>
             <a:fld id="{051BCEE5-4571-483C-A34B-21B4572F622D}" type="datetimeFigureOut">
               <a:rPr lang="en-US" smtClean="0"/>
-              <a:t>2/12/2023</a:t>
+              <a:t>2/11/2023</a:t>
             </a:fld>
             <a:endParaRPr lang="en-US"/>
           </a:p>
@@ -871,7 +870,7 @@
           <a:p>
             <a:fld id="{051BCEE5-4571-483C-A34B-21B4572F622D}" type="datetimeFigureOut">
               <a:rPr lang="en-US" smtClean="0"/>
-              <a:t>2/12/2023</a:t>
+              <a:t>2/11/2023</a:t>
             </a:fld>
             <a:endParaRPr lang="en-US"/>
           </a:p>
@@ -1146,7 +1145,7 @@
           <a:p>
             <a:fld id="{051BCEE5-4571-483C-A34B-21B4572F622D}" type="datetimeFigureOut">
               <a:rPr lang="en-US" smtClean="0"/>
-              <a:t>2/12/2023</a:t>
+              <a:t>2/11/2023</a:t>
             </a:fld>
             <a:endParaRPr lang="en-US"/>
           </a:p>
@@ -1411,7 +1410,7 @@
           <a:p>
             <a:fld id="{051BCEE5-4571-483C-A34B-21B4572F622D}" type="datetimeFigureOut">
               <a:rPr lang="en-US" smtClean="0"/>
-              <a:t>2/12/2023</a:t>
+              <a:t>2/11/2023</a:t>
             </a:fld>
             <a:endParaRPr lang="en-US"/>
           </a:p>
@@ -1823,7 +1822,7 @@
           <a:p>
             <a:fld id="{051BCEE5-4571-483C-A34B-21B4572F622D}" type="datetimeFigureOut">
               <a:rPr lang="en-US" smtClean="0"/>
-              <a:t>2/12/2023</a:t>
+              <a:t>2/11/2023</a:t>
             </a:fld>
             <a:endParaRPr lang="en-US"/>
           </a:p>
@@ -1964,7 +1963,7 @@
           <a:p>
             <a:fld id="{051BCEE5-4571-483C-A34B-21B4572F622D}" type="datetimeFigureOut">
               <a:rPr lang="en-US" smtClean="0"/>
-              <a:t>2/12/2023</a:t>
+              <a:t>2/11/2023</a:t>
             </a:fld>
             <a:endParaRPr lang="en-US"/>
           </a:p>
@@ -2077,7 +2076,7 @@
           <a:p>
             <a:fld id="{051BCEE5-4571-483C-A34B-21B4572F622D}" type="datetimeFigureOut">
               <a:rPr lang="en-US" smtClean="0"/>
-              <a:t>2/12/2023</a:t>
+              <a:t>2/11/2023</a:t>
             </a:fld>
             <a:endParaRPr lang="en-US"/>
           </a:p>
@@ -2388,7 +2387,7 @@
           <a:p>
             <a:fld id="{051BCEE5-4571-483C-A34B-21B4572F622D}" type="datetimeFigureOut">
               <a:rPr lang="en-US" smtClean="0"/>
-              <a:t>2/12/2023</a:t>
+              <a:t>2/11/2023</a:t>
             </a:fld>
             <a:endParaRPr lang="en-US"/>
           </a:p>
@@ -2676,7 +2675,7 @@
           <a:p>
             <a:fld id="{051BCEE5-4571-483C-A34B-21B4572F622D}" type="datetimeFigureOut">
               <a:rPr lang="en-US" smtClean="0"/>
-              <a:t>2/12/2023</a:t>
+              <a:t>2/11/2023</a:t>
             </a:fld>
             <a:endParaRPr lang="en-US"/>
           </a:p>
@@ -2917,7 +2916,7 @@
           <a:p>
             <a:fld id="{051BCEE5-4571-483C-A34B-21B4572F622D}" type="datetimeFigureOut">
               <a:rPr lang="en-US" smtClean="0"/>
-              <a:t>2/12/2023</a:t>
+              <a:t>2/11/2023</a:t>
             </a:fld>
             <a:endParaRPr lang="en-US"/>
           </a:p>
@@ -11298,672 +11297,6 @@
           <a:chExt cx="0" cy="0"/>
         </a:xfrm>
       </p:grpSpPr>
-      <p:pic>
-        <p:nvPicPr>
-          <p:cNvPr id="25" name="Picture 24">
-            <a:extLst>
-              <a:ext uri="{FF2B5EF4-FFF2-40B4-BE49-F238E27FC236}">
-                <a16:creationId xmlns:a16="http://schemas.microsoft.com/office/drawing/2014/main" id="{FA2D257D-42EF-35B2-3795-26D6FBC9D7D8}"/>
-              </a:ext>
-            </a:extLst>
-          </p:cNvPr>
-          <p:cNvPicPr>
-            <a:picLocks noChangeAspect="1"/>
-          </p:cNvPicPr>
-          <p:nvPr/>
-        </p:nvPicPr>
-        <p:blipFill rotWithShape="1">
-          <a:blip r:embed="rId2"/>
-          <a:srcRect l="45408" t="7319" r="22298" b="68276"/>
-          <a:stretch/>
-        </p:blipFill>
-        <p:spPr>
-          <a:xfrm>
-            <a:off x="210764" y="80726"/>
-            <a:ext cx="5885235" cy="3348274"/>
-          </a:xfrm>
-          <a:prstGeom prst="rect">
-            <a:avLst/>
-          </a:prstGeom>
-        </p:spPr>
-      </p:pic>
-      <p:pic>
-        <p:nvPicPr>
-          <p:cNvPr id="27" name="Picture 26">
-            <a:extLst>
-              <a:ext uri="{FF2B5EF4-FFF2-40B4-BE49-F238E27FC236}">
-                <a16:creationId xmlns:a16="http://schemas.microsoft.com/office/drawing/2014/main" id="{01791E3B-5893-5575-6DBE-140262514D28}"/>
-              </a:ext>
-            </a:extLst>
-          </p:cNvPr>
-          <p:cNvPicPr>
-            <a:picLocks noChangeAspect="1"/>
-          </p:cNvPicPr>
-          <p:nvPr/>
-        </p:nvPicPr>
-        <p:blipFill rotWithShape="1">
-          <a:blip r:embed="rId2"/>
-          <a:srcRect l="53820" t="42175" r="5335" b="52006"/>
-          <a:stretch/>
-        </p:blipFill>
-        <p:spPr>
-          <a:xfrm>
-            <a:off x="248341" y="3429000"/>
-            <a:ext cx="11695317" cy="1254515"/>
-          </a:xfrm>
-          <a:prstGeom prst="rect">
-            <a:avLst/>
-          </a:prstGeom>
-        </p:spPr>
-      </p:pic>
-      <p:sp>
-        <p:nvSpPr>
-          <p:cNvPr id="26" name="Speech Bubble: Rectangle with Corners Rounded 25">
-            <a:extLst>
-              <a:ext uri="{FF2B5EF4-FFF2-40B4-BE49-F238E27FC236}">
-                <a16:creationId xmlns:a16="http://schemas.microsoft.com/office/drawing/2014/main" id="{D8B9820A-4C08-4780-D6BB-40AC04A82A0B}"/>
-              </a:ext>
-            </a:extLst>
-          </p:cNvPr>
-          <p:cNvSpPr/>
-          <p:nvPr/>
-        </p:nvSpPr>
-        <p:spPr>
-          <a:xfrm>
-            <a:off x="1152699" y="5075657"/>
-            <a:ext cx="2699454" cy="827495"/>
-          </a:xfrm>
-          <a:prstGeom prst="wedgeRoundRectCallout">
-            <a:avLst>
-              <a:gd name="adj1" fmla="val 30449"/>
-              <a:gd name="adj2" fmla="val -115745"/>
-              <a:gd name="adj3" fmla="val 16667"/>
-            </a:avLst>
-          </a:prstGeom>
-          <a:solidFill>
-            <a:schemeClr val="accent4">
-              <a:lumMod val="20000"/>
-              <a:lumOff val="80000"/>
-              <a:alpha val="46000"/>
-            </a:schemeClr>
-          </a:solidFill>
-          <a:ln>
-            <a:solidFill>
-              <a:schemeClr val="accent4"/>
-            </a:solidFill>
-          </a:ln>
-        </p:spPr>
-        <p:style>
-          <a:lnRef idx="2">
-            <a:schemeClr val="accent1">
-              <a:shade val="50000"/>
-            </a:schemeClr>
-          </a:lnRef>
-          <a:fillRef idx="1">
-            <a:schemeClr val="accent1"/>
-          </a:fillRef>
-          <a:effectRef idx="0">
-            <a:schemeClr val="accent1"/>
-          </a:effectRef>
-          <a:fontRef idx="minor">
-            <a:schemeClr val="lt1"/>
-          </a:fontRef>
-        </p:style>
-        <p:txBody>
-          <a:bodyPr rtlCol="0" anchor="ctr"/>
-          <a:lstStyle/>
-          <a:p>
-            <a:pPr algn="ctr"/>
-            <a:r>
-              <a:rPr lang="en-US" sz="1200" dirty="0">
-                <a:solidFill>
-                  <a:schemeClr val="tx1"/>
-                </a:solidFill>
-                <a:latin typeface="+mj-lt"/>
-              </a:rPr>
-              <a:t>Yellow section is created automatically when clicking on “SAVE” button. This adds coordinates of dots and names of strategies</a:t>
-            </a:r>
-          </a:p>
-        </p:txBody>
-      </p:sp>
-      <p:sp>
-        <p:nvSpPr>
-          <p:cNvPr id="28" name="Speech Bubble: Rectangle with Corners Rounded 27">
-            <a:extLst>
-              <a:ext uri="{FF2B5EF4-FFF2-40B4-BE49-F238E27FC236}">
-                <a16:creationId xmlns:a16="http://schemas.microsoft.com/office/drawing/2014/main" id="{94C12A6D-893A-9127-593A-BAB95278D8FD}"/>
-              </a:ext>
-            </a:extLst>
-          </p:cNvPr>
-          <p:cNvSpPr/>
-          <p:nvPr/>
-        </p:nvSpPr>
-        <p:spPr>
-          <a:xfrm>
-            <a:off x="210764" y="5949779"/>
-            <a:ext cx="2214880" cy="827495"/>
-          </a:xfrm>
-          <a:prstGeom prst="wedgeRoundRectCallout">
-            <a:avLst>
-              <a:gd name="adj1" fmla="val -30963"/>
-              <a:gd name="adj2" fmla="val -211223"/>
-              <a:gd name="adj3" fmla="val 16667"/>
-            </a:avLst>
-          </a:prstGeom>
-          <a:solidFill>
-            <a:schemeClr val="accent2">
-              <a:lumMod val="40000"/>
-              <a:lumOff val="60000"/>
-              <a:alpha val="46000"/>
-            </a:schemeClr>
-          </a:solidFill>
-          <a:ln>
-            <a:solidFill>
-              <a:schemeClr val="accent2">
-                <a:lumMod val="60000"/>
-                <a:lumOff val="40000"/>
-              </a:schemeClr>
-            </a:solidFill>
-          </a:ln>
-        </p:spPr>
-        <p:style>
-          <a:lnRef idx="2">
-            <a:schemeClr val="accent1">
-              <a:shade val="50000"/>
-            </a:schemeClr>
-          </a:lnRef>
-          <a:fillRef idx="1">
-            <a:schemeClr val="accent1"/>
-          </a:fillRef>
-          <a:effectRef idx="0">
-            <a:schemeClr val="accent1"/>
-          </a:effectRef>
-          <a:fontRef idx="minor">
-            <a:schemeClr val="lt1"/>
-          </a:fontRef>
-        </p:style>
-        <p:txBody>
-          <a:bodyPr rtlCol="0" anchor="ctr"/>
-          <a:lstStyle/>
-          <a:p>
-            <a:pPr algn="ctr"/>
-            <a:r>
-              <a:rPr lang="en-US" sz="1200" dirty="0">
-                <a:solidFill>
-                  <a:schemeClr val="tx1"/>
-                </a:solidFill>
-                <a:latin typeface="+mj-lt"/>
-              </a:rPr>
-              <a:t>This section will be generated when creating a user. If you are not a user, your data is not  generated / stored</a:t>
-            </a:r>
-          </a:p>
-        </p:txBody>
-      </p:sp>
-      <p:sp>
-        <p:nvSpPr>
-          <p:cNvPr id="29" name="Speech Bubble: Rectangle with Corners Rounded 28">
-            <a:extLst>
-              <a:ext uri="{FF2B5EF4-FFF2-40B4-BE49-F238E27FC236}">
-                <a16:creationId xmlns:a16="http://schemas.microsoft.com/office/drawing/2014/main" id="{0BB1936D-92C5-2CDA-DC99-EDB9B4F02EE9}"/>
-              </a:ext>
-            </a:extLst>
-          </p:cNvPr>
-          <p:cNvSpPr/>
-          <p:nvPr/>
-        </p:nvSpPr>
-        <p:spPr>
-          <a:xfrm>
-            <a:off x="4591458" y="4855642"/>
-            <a:ext cx="2214880" cy="729573"/>
-          </a:xfrm>
-          <a:prstGeom prst="wedgeRoundRectCallout">
-            <a:avLst>
-              <a:gd name="adj1" fmla="val 46665"/>
-              <a:gd name="adj2" fmla="val -120447"/>
-              <a:gd name="adj3" fmla="val 16667"/>
-            </a:avLst>
-          </a:prstGeom>
-          <a:solidFill>
-            <a:schemeClr val="accent6">
-              <a:lumMod val="40000"/>
-              <a:lumOff val="60000"/>
-              <a:alpha val="46000"/>
-            </a:schemeClr>
-          </a:solidFill>
-          <a:ln>
-            <a:solidFill>
-              <a:schemeClr val="accent6">
-                <a:lumMod val="75000"/>
-              </a:schemeClr>
-            </a:solidFill>
-          </a:ln>
-        </p:spPr>
-        <p:style>
-          <a:lnRef idx="2">
-            <a:schemeClr val="accent1">
-              <a:shade val="50000"/>
-            </a:schemeClr>
-          </a:lnRef>
-          <a:fillRef idx="1">
-            <a:schemeClr val="accent1"/>
-          </a:fillRef>
-          <a:effectRef idx="0">
-            <a:schemeClr val="accent1"/>
-          </a:effectRef>
-          <a:fontRef idx="minor">
-            <a:schemeClr val="lt1"/>
-          </a:fontRef>
-        </p:style>
-        <p:txBody>
-          <a:bodyPr rtlCol="0" anchor="ctr"/>
-          <a:lstStyle/>
-          <a:p>
-            <a:pPr algn="ctr"/>
-            <a:r>
-              <a:rPr lang="en-US" sz="1200" dirty="0">
-                <a:solidFill>
-                  <a:schemeClr val="tx1"/>
-                </a:solidFill>
-                <a:latin typeface="+mj-lt"/>
-              </a:rPr>
-              <a:t>Green section is generated when form or other section is created after “Manage” button</a:t>
-            </a:r>
-          </a:p>
-        </p:txBody>
-      </p:sp>
-      <p:cxnSp>
-        <p:nvCxnSpPr>
-          <p:cNvPr id="31" name="Connector: Elbow 30">
-            <a:extLst>
-              <a:ext uri="{FF2B5EF4-FFF2-40B4-BE49-F238E27FC236}">
-                <a16:creationId xmlns:a16="http://schemas.microsoft.com/office/drawing/2014/main" id="{00D9EB42-3ED5-2FA4-1238-D32ACE46E96D}"/>
-              </a:ext>
-            </a:extLst>
-          </p:cNvPr>
-          <p:cNvCxnSpPr/>
-          <p:nvPr/>
-        </p:nvCxnSpPr>
-        <p:spPr>
-          <a:xfrm rot="16200000" flipH="1">
-            <a:off x="5450805" y="2403657"/>
-            <a:ext cx="1297354" cy="1038594"/>
-          </a:xfrm>
-          <a:prstGeom prst="bentConnector3">
-            <a:avLst>
-              <a:gd name="adj1" fmla="val 513"/>
-            </a:avLst>
-          </a:prstGeom>
-          <a:ln w="41275">
-            <a:solidFill>
-              <a:schemeClr val="accent6">
-                <a:lumMod val="75000"/>
-              </a:schemeClr>
-            </a:solidFill>
-            <a:tailEnd type="triangle"/>
-          </a:ln>
-        </p:spPr>
-        <p:style>
-          <a:lnRef idx="1">
-            <a:schemeClr val="accent1"/>
-          </a:lnRef>
-          <a:fillRef idx="0">
-            <a:schemeClr val="accent1"/>
-          </a:fillRef>
-          <a:effectRef idx="0">
-            <a:schemeClr val="accent1"/>
-          </a:effectRef>
-          <a:fontRef idx="minor">
-            <a:schemeClr val="tx1"/>
-          </a:fontRef>
-        </p:style>
-      </p:cxnSp>
-      <p:cxnSp>
-        <p:nvCxnSpPr>
-          <p:cNvPr id="33" name="Connector: Elbow 32">
-            <a:extLst>
-              <a:ext uri="{FF2B5EF4-FFF2-40B4-BE49-F238E27FC236}">
-                <a16:creationId xmlns:a16="http://schemas.microsoft.com/office/drawing/2014/main" id="{842F76D6-7FE0-F710-4CF7-B15A026D921E}"/>
-              </a:ext>
-            </a:extLst>
-          </p:cNvPr>
-          <p:cNvCxnSpPr>
-            <a:cxnSpLocks/>
-          </p:cNvCxnSpPr>
-          <p:nvPr/>
-        </p:nvCxnSpPr>
-        <p:spPr>
-          <a:xfrm rot="5400000">
-            <a:off x="2714019" y="1770433"/>
-            <a:ext cx="2062263" cy="1692614"/>
-          </a:xfrm>
-          <a:prstGeom prst="bentConnector3">
-            <a:avLst>
-              <a:gd name="adj1" fmla="val -943"/>
-            </a:avLst>
-          </a:prstGeom>
-          <a:ln w="41275">
-            <a:solidFill>
-              <a:schemeClr val="accent4">
-                <a:lumMod val="60000"/>
-                <a:lumOff val="40000"/>
-              </a:schemeClr>
-            </a:solidFill>
-            <a:tailEnd type="triangle"/>
-          </a:ln>
-        </p:spPr>
-        <p:style>
-          <a:lnRef idx="1">
-            <a:schemeClr val="accent1"/>
-          </a:lnRef>
-          <a:fillRef idx="0">
-            <a:schemeClr val="accent1"/>
-          </a:fillRef>
-          <a:effectRef idx="0">
-            <a:schemeClr val="accent1"/>
-          </a:effectRef>
-          <a:fontRef idx="minor">
-            <a:schemeClr val="tx1"/>
-          </a:fontRef>
-        </p:style>
-      </p:cxnSp>
-      <p:sp>
-        <p:nvSpPr>
-          <p:cNvPr id="37" name="Speech Bubble: Rectangle with Corners Rounded 36">
-            <a:extLst>
-              <a:ext uri="{FF2B5EF4-FFF2-40B4-BE49-F238E27FC236}">
-                <a16:creationId xmlns:a16="http://schemas.microsoft.com/office/drawing/2014/main" id="{225785A7-7C6F-BCEE-4F6B-5E3D7BDCAE71}"/>
-              </a:ext>
-            </a:extLst>
-          </p:cNvPr>
-          <p:cNvSpPr/>
-          <p:nvPr/>
-        </p:nvSpPr>
-        <p:spPr>
-          <a:xfrm>
-            <a:off x="7351380" y="5075655"/>
-            <a:ext cx="2214880" cy="729573"/>
-          </a:xfrm>
-          <a:prstGeom prst="wedgeRoundRectCallout">
-            <a:avLst>
-              <a:gd name="adj1" fmla="val 15482"/>
-              <a:gd name="adj2" fmla="val -128447"/>
-              <a:gd name="adj3" fmla="val 16667"/>
-            </a:avLst>
-          </a:prstGeom>
-          <a:solidFill>
-            <a:schemeClr val="accent5">
-              <a:lumMod val="60000"/>
-              <a:lumOff val="40000"/>
-              <a:alpha val="46000"/>
-            </a:schemeClr>
-          </a:solidFill>
-          <a:ln>
-            <a:solidFill>
-              <a:schemeClr val="accent5">
-                <a:lumMod val="40000"/>
-                <a:lumOff val="60000"/>
-              </a:schemeClr>
-            </a:solidFill>
-          </a:ln>
-        </p:spPr>
-        <p:style>
-          <a:lnRef idx="2">
-            <a:schemeClr val="accent1">
-              <a:shade val="50000"/>
-            </a:schemeClr>
-          </a:lnRef>
-          <a:fillRef idx="1">
-            <a:schemeClr val="accent1"/>
-          </a:fillRef>
-          <a:effectRef idx="0">
-            <a:schemeClr val="accent1"/>
-          </a:effectRef>
-          <a:fontRef idx="minor">
-            <a:schemeClr val="lt1"/>
-          </a:fontRef>
-        </p:style>
-        <p:txBody>
-          <a:bodyPr rtlCol="0" anchor="ctr"/>
-          <a:lstStyle/>
-          <a:p>
-            <a:pPr algn="ctr"/>
-            <a:r>
-              <a:rPr lang="en-US" sz="1200" dirty="0">
-                <a:solidFill>
-                  <a:schemeClr val="tx1"/>
-                </a:solidFill>
-                <a:latin typeface="+mj-lt"/>
-              </a:rPr>
-              <a:t>Blue section is generated with inputs from </a:t>
-            </a:r>
-            <a:r>
-              <a:rPr lang="en-US" sz="1200" dirty="0" err="1">
-                <a:solidFill>
-                  <a:schemeClr val="tx1"/>
-                </a:solidFill>
-                <a:latin typeface="+mj-lt"/>
-              </a:rPr>
-              <a:t>barchart</a:t>
-            </a:r>
-            <a:r>
-              <a:rPr lang="en-US" sz="1200" dirty="0">
-                <a:solidFill>
-                  <a:schemeClr val="tx1"/>
-                </a:solidFill>
-                <a:latin typeface="+mj-lt"/>
-              </a:rPr>
-              <a:t> (text boxes)</a:t>
-            </a:r>
-          </a:p>
-        </p:txBody>
-      </p:sp>
-      <p:sp>
-        <p:nvSpPr>
-          <p:cNvPr id="38" name="Speech Bubble: Rectangle with Corners Rounded 37">
-            <a:extLst>
-              <a:ext uri="{FF2B5EF4-FFF2-40B4-BE49-F238E27FC236}">
-                <a16:creationId xmlns:a16="http://schemas.microsoft.com/office/drawing/2014/main" id="{B1F316F4-E08C-E30E-A0EF-6E6F04CE615D}"/>
-              </a:ext>
-            </a:extLst>
-          </p:cNvPr>
-          <p:cNvSpPr/>
-          <p:nvPr/>
-        </p:nvSpPr>
-        <p:spPr>
-          <a:xfrm>
-            <a:off x="10617454" y="6294135"/>
-            <a:ext cx="1481847" cy="465544"/>
-          </a:xfrm>
-          <a:prstGeom prst="wedgeRoundRectCallout">
-            <a:avLst>
-              <a:gd name="adj1" fmla="val -49960"/>
-              <a:gd name="adj2" fmla="val -17121"/>
-              <a:gd name="adj3" fmla="val 16667"/>
-            </a:avLst>
-          </a:prstGeom>
-          <a:solidFill>
-            <a:schemeClr val="accent4">
-              <a:lumMod val="20000"/>
-              <a:lumOff val="80000"/>
-              <a:alpha val="46000"/>
-            </a:schemeClr>
-          </a:solidFill>
-          <a:ln>
-            <a:solidFill>
-              <a:schemeClr val="accent4"/>
-            </a:solidFill>
-          </a:ln>
-        </p:spPr>
-        <p:style>
-          <a:lnRef idx="2">
-            <a:schemeClr val="accent1">
-              <a:shade val="50000"/>
-            </a:schemeClr>
-          </a:lnRef>
-          <a:fillRef idx="1">
-            <a:schemeClr val="accent1"/>
-          </a:fillRef>
-          <a:effectRef idx="0">
-            <a:schemeClr val="accent1"/>
-          </a:effectRef>
-          <a:fontRef idx="minor">
-            <a:schemeClr val="lt1"/>
-          </a:fontRef>
-        </p:style>
-        <p:txBody>
-          <a:bodyPr rtlCol="0" anchor="ctr"/>
-          <a:lstStyle/>
-          <a:p>
-            <a:pPr algn="ctr"/>
-            <a:r>
-              <a:rPr lang="en-US" sz="1200" dirty="0">
-                <a:solidFill>
-                  <a:schemeClr val="tx1"/>
-                </a:solidFill>
-                <a:latin typeface="+mj-lt"/>
-              </a:rPr>
-              <a:t>… more columns / variables (next slide)</a:t>
-            </a:r>
-          </a:p>
-        </p:txBody>
-      </p:sp>
-      <p:cxnSp>
-        <p:nvCxnSpPr>
-          <p:cNvPr id="39" name="Connector: Elbow 38">
-            <a:extLst>
-              <a:ext uri="{FF2B5EF4-FFF2-40B4-BE49-F238E27FC236}">
-                <a16:creationId xmlns:a16="http://schemas.microsoft.com/office/drawing/2014/main" id="{13B17A17-7373-7566-7C69-610D90035EF6}"/>
-              </a:ext>
-            </a:extLst>
-          </p:cNvPr>
-          <p:cNvCxnSpPr>
-            <a:cxnSpLocks/>
-          </p:cNvCxnSpPr>
-          <p:nvPr/>
-        </p:nvCxnSpPr>
-        <p:spPr>
-          <a:xfrm rot="5400000">
-            <a:off x="2410662" y="4588226"/>
-            <a:ext cx="1990456" cy="1806926"/>
-          </a:xfrm>
-          <a:prstGeom prst="bentConnector3">
-            <a:avLst>
-              <a:gd name="adj1" fmla="val 99360"/>
-            </a:avLst>
-          </a:prstGeom>
-          <a:ln w="41275">
-            <a:solidFill>
-              <a:schemeClr val="accent2">
-                <a:lumMod val="60000"/>
-                <a:lumOff val="40000"/>
-              </a:schemeClr>
-            </a:solidFill>
-            <a:tailEnd type="triangle"/>
-          </a:ln>
-        </p:spPr>
-        <p:style>
-          <a:lnRef idx="1">
-            <a:schemeClr val="accent1"/>
-          </a:lnRef>
-          <a:fillRef idx="0">
-            <a:schemeClr val="accent1"/>
-          </a:fillRef>
-          <a:effectRef idx="0">
-            <a:schemeClr val="accent1"/>
-          </a:effectRef>
-          <a:fontRef idx="minor">
-            <a:schemeClr val="tx1"/>
-          </a:fontRef>
-        </p:style>
-      </p:cxnSp>
-      <p:cxnSp>
-        <p:nvCxnSpPr>
-          <p:cNvPr id="45" name="Connector: Elbow 44">
-            <a:extLst>
-              <a:ext uri="{FF2B5EF4-FFF2-40B4-BE49-F238E27FC236}">
-                <a16:creationId xmlns:a16="http://schemas.microsoft.com/office/drawing/2014/main" id="{90AD4610-76BE-27D2-26E8-E73366A06E86}"/>
-              </a:ext>
-            </a:extLst>
-          </p:cNvPr>
-          <p:cNvCxnSpPr>
-            <a:cxnSpLocks/>
-          </p:cNvCxnSpPr>
-          <p:nvPr/>
-        </p:nvCxnSpPr>
-        <p:spPr>
-          <a:xfrm>
-            <a:off x="1152699" y="4581731"/>
-            <a:ext cx="3413827" cy="354806"/>
-          </a:xfrm>
-          <a:prstGeom prst="bentConnector3">
-            <a:avLst>
-              <a:gd name="adj1" fmla="val 704"/>
-            </a:avLst>
-          </a:prstGeom>
-          <a:ln w="41275">
-            <a:solidFill>
-              <a:schemeClr val="accent6">
-                <a:lumMod val="75000"/>
-              </a:schemeClr>
-            </a:solidFill>
-            <a:tailEnd type="triangle"/>
-          </a:ln>
-        </p:spPr>
-        <p:style>
-          <a:lnRef idx="1">
-            <a:schemeClr val="accent1"/>
-          </a:lnRef>
-          <a:fillRef idx="0">
-            <a:schemeClr val="accent1"/>
-          </a:fillRef>
-          <a:effectRef idx="0">
-            <a:schemeClr val="accent1"/>
-          </a:effectRef>
-          <a:fontRef idx="minor">
-            <a:schemeClr val="tx1"/>
-          </a:fontRef>
-        </p:style>
-      </p:cxnSp>
-    </p:spTree>
-    <p:extLst>
-      <p:ext uri="{BB962C8B-B14F-4D97-AF65-F5344CB8AC3E}">
-        <p14:creationId xmlns:p14="http://schemas.microsoft.com/office/powerpoint/2010/main" val="113184168"/>
-      </p:ext>
-    </p:extLst>
-  </p:cSld>
-  <p:clrMapOvr>
-    <a:masterClrMapping/>
-  </p:clrMapOvr>
-</p:sld>
-</file>
-
-<file path=ppt/slides/slide9.xml><?xml version="1.0" encoding="utf-8"?>
-<p:sld xmlns:a="http://schemas.openxmlformats.org/drawingml/2006/main" xmlns:r="http://schemas.openxmlformats.org/officeDocument/2006/relationships" xmlns:p="http://schemas.openxmlformats.org/presentationml/2006/main">
-  <p:cSld>
-    <p:bg>
-      <p:bgPr>
-        <a:solidFill>
-          <a:schemeClr val="accent1">
-            <a:lumMod val="50000"/>
-          </a:schemeClr>
-        </a:solidFill>
-        <a:effectLst/>
-      </p:bgPr>
-    </p:bg>
-    <p:spTree>
-      <p:nvGrpSpPr>
-        <p:cNvPr id="1" name=""/>
-        <p:cNvGrpSpPr/>
-        <p:nvPr/>
-      </p:nvGrpSpPr>
-      <p:grpSpPr>
-        <a:xfrm>
-          <a:off x="0" y="0"/>
-          <a:ext cx="0" cy="0"/>
-          <a:chOff x="0" y="0"/>
-          <a:chExt cx="0" cy="0"/>
-        </a:xfrm>
-      </p:grpSpPr>
       <p:sp>
         <p:nvSpPr>
           <p:cNvPr id="2" name="TextBox 1">

--- a/UI_UX PLG2050.pptx
+++ b/UI_UX PLG2050.pptx
@@ -12,7 +12,8 @@
     <p:sldId id="261" r:id="rId6"/>
     <p:sldId id="262" r:id="rId7"/>
     <p:sldId id="263" r:id="rId8"/>
-    <p:sldId id="264" r:id="rId9"/>
+    <p:sldId id="265" r:id="rId9"/>
+    <p:sldId id="264" r:id="rId10"/>
   </p:sldIdLst>
   <p:sldSz cx="12192000" cy="6858000"/>
   <p:notesSz cx="6858000" cy="9144000"/>
@@ -266,7 +267,7 @@
           <a:p>
             <a:fld id="{051BCEE5-4571-483C-A34B-21B4572F622D}" type="datetimeFigureOut">
               <a:rPr lang="en-US" smtClean="0"/>
-              <a:t>2/11/2023</a:t>
+              <a:t>2/12/2023</a:t>
             </a:fld>
             <a:endParaRPr lang="en-US"/>
           </a:p>
@@ -464,7 +465,7 @@
           <a:p>
             <a:fld id="{051BCEE5-4571-483C-A34B-21B4572F622D}" type="datetimeFigureOut">
               <a:rPr lang="en-US" smtClean="0"/>
-              <a:t>2/11/2023</a:t>
+              <a:t>2/12/2023</a:t>
             </a:fld>
             <a:endParaRPr lang="en-US"/>
           </a:p>
@@ -672,7 +673,7 @@
           <a:p>
             <a:fld id="{051BCEE5-4571-483C-A34B-21B4572F622D}" type="datetimeFigureOut">
               <a:rPr lang="en-US" smtClean="0"/>
-              <a:t>2/11/2023</a:t>
+              <a:t>2/12/2023</a:t>
             </a:fld>
             <a:endParaRPr lang="en-US"/>
           </a:p>
@@ -870,7 +871,7 @@
           <a:p>
             <a:fld id="{051BCEE5-4571-483C-A34B-21B4572F622D}" type="datetimeFigureOut">
               <a:rPr lang="en-US" smtClean="0"/>
-              <a:t>2/11/2023</a:t>
+              <a:t>2/12/2023</a:t>
             </a:fld>
             <a:endParaRPr lang="en-US"/>
           </a:p>
@@ -1145,7 +1146,7 @@
           <a:p>
             <a:fld id="{051BCEE5-4571-483C-A34B-21B4572F622D}" type="datetimeFigureOut">
               <a:rPr lang="en-US" smtClean="0"/>
-              <a:t>2/11/2023</a:t>
+              <a:t>2/12/2023</a:t>
             </a:fld>
             <a:endParaRPr lang="en-US"/>
           </a:p>
@@ -1410,7 +1411,7 @@
           <a:p>
             <a:fld id="{051BCEE5-4571-483C-A34B-21B4572F622D}" type="datetimeFigureOut">
               <a:rPr lang="en-US" smtClean="0"/>
-              <a:t>2/11/2023</a:t>
+              <a:t>2/12/2023</a:t>
             </a:fld>
             <a:endParaRPr lang="en-US"/>
           </a:p>
@@ -1822,7 +1823,7 @@
           <a:p>
             <a:fld id="{051BCEE5-4571-483C-A34B-21B4572F622D}" type="datetimeFigureOut">
               <a:rPr lang="en-US" smtClean="0"/>
-              <a:t>2/11/2023</a:t>
+              <a:t>2/12/2023</a:t>
             </a:fld>
             <a:endParaRPr lang="en-US"/>
           </a:p>
@@ -1963,7 +1964,7 @@
           <a:p>
             <a:fld id="{051BCEE5-4571-483C-A34B-21B4572F622D}" type="datetimeFigureOut">
               <a:rPr lang="en-US" smtClean="0"/>
-              <a:t>2/11/2023</a:t>
+              <a:t>2/12/2023</a:t>
             </a:fld>
             <a:endParaRPr lang="en-US"/>
           </a:p>
@@ -2076,7 +2077,7 @@
           <a:p>
             <a:fld id="{051BCEE5-4571-483C-A34B-21B4572F622D}" type="datetimeFigureOut">
               <a:rPr lang="en-US" smtClean="0"/>
-              <a:t>2/11/2023</a:t>
+              <a:t>2/12/2023</a:t>
             </a:fld>
             <a:endParaRPr lang="en-US"/>
           </a:p>
@@ -2387,7 +2388,7 @@
           <a:p>
             <a:fld id="{051BCEE5-4571-483C-A34B-21B4572F622D}" type="datetimeFigureOut">
               <a:rPr lang="en-US" smtClean="0"/>
-              <a:t>2/11/2023</a:t>
+              <a:t>2/12/2023</a:t>
             </a:fld>
             <a:endParaRPr lang="en-US"/>
           </a:p>
@@ -2675,7 +2676,7 @@
           <a:p>
             <a:fld id="{051BCEE5-4571-483C-A34B-21B4572F622D}" type="datetimeFigureOut">
               <a:rPr lang="en-US" smtClean="0"/>
-              <a:t>2/11/2023</a:t>
+              <a:t>2/12/2023</a:t>
             </a:fld>
             <a:endParaRPr lang="en-US"/>
           </a:p>
@@ -2916,7 +2917,7 @@
           <a:p>
             <a:fld id="{051BCEE5-4571-483C-A34B-21B4572F622D}" type="datetimeFigureOut">
               <a:rPr lang="en-US" smtClean="0"/>
-              <a:t>2/11/2023</a:t>
+              <a:t>2/12/2023</a:t>
             </a:fld>
             <a:endParaRPr lang="en-US"/>
           </a:p>
@@ -11297,6 +11298,672 @@
           <a:chExt cx="0" cy="0"/>
         </a:xfrm>
       </p:grpSpPr>
+      <p:pic>
+        <p:nvPicPr>
+          <p:cNvPr id="25" name="Picture 24">
+            <a:extLst>
+              <a:ext uri="{FF2B5EF4-FFF2-40B4-BE49-F238E27FC236}">
+                <a16:creationId xmlns:a16="http://schemas.microsoft.com/office/drawing/2014/main" id="{FA2D257D-42EF-35B2-3795-26D6FBC9D7D8}"/>
+              </a:ext>
+            </a:extLst>
+          </p:cNvPr>
+          <p:cNvPicPr>
+            <a:picLocks noChangeAspect="1"/>
+          </p:cNvPicPr>
+          <p:nvPr/>
+        </p:nvPicPr>
+        <p:blipFill rotWithShape="1">
+          <a:blip r:embed="rId2"/>
+          <a:srcRect l="45408" t="7319" r="22298" b="68276"/>
+          <a:stretch/>
+        </p:blipFill>
+        <p:spPr>
+          <a:xfrm>
+            <a:off x="210764" y="80726"/>
+            <a:ext cx="5885235" cy="3348274"/>
+          </a:xfrm>
+          <a:prstGeom prst="rect">
+            <a:avLst/>
+          </a:prstGeom>
+        </p:spPr>
+      </p:pic>
+      <p:pic>
+        <p:nvPicPr>
+          <p:cNvPr id="27" name="Picture 26">
+            <a:extLst>
+              <a:ext uri="{FF2B5EF4-FFF2-40B4-BE49-F238E27FC236}">
+                <a16:creationId xmlns:a16="http://schemas.microsoft.com/office/drawing/2014/main" id="{01791E3B-5893-5575-6DBE-140262514D28}"/>
+              </a:ext>
+            </a:extLst>
+          </p:cNvPr>
+          <p:cNvPicPr>
+            <a:picLocks noChangeAspect="1"/>
+          </p:cNvPicPr>
+          <p:nvPr/>
+        </p:nvPicPr>
+        <p:blipFill rotWithShape="1">
+          <a:blip r:embed="rId2"/>
+          <a:srcRect l="53820" t="42175" r="5335" b="52006"/>
+          <a:stretch/>
+        </p:blipFill>
+        <p:spPr>
+          <a:xfrm>
+            <a:off x="248341" y="3429000"/>
+            <a:ext cx="11695317" cy="1254515"/>
+          </a:xfrm>
+          <a:prstGeom prst="rect">
+            <a:avLst/>
+          </a:prstGeom>
+        </p:spPr>
+      </p:pic>
+      <p:sp>
+        <p:nvSpPr>
+          <p:cNvPr id="26" name="Speech Bubble: Rectangle with Corners Rounded 25">
+            <a:extLst>
+              <a:ext uri="{FF2B5EF4-FFF2-40B4-BE49-F238E27FC236}">
+                <a16:creationId xmlns:a16="http://schemas.microsoft.com/office/drawing/2014/main" id="{D8B9820A-4C08-4780-D6BB-40AC04A82A0B}"/>
+              </a:ext>
+            </a:extLst>
+          </p:cNvPr>
+          <p:cNvSpPr/>
+          <p:nvPr/>
+        </p:nvSpPr>
+        <p:spPr>
+          <a:xfrm>
+            <a:off x="1152699" y="5075657"/>
+            <a:ext cx="2699454" cy="827495"/>
+          </a:xfrm>
+          <a:prstGeom prst="wedgeRoundRectCallout">
+            <a:avLst>
+              <a:gd name="adj1" fmla="val 30449"/>
+              <a:gd name="adj2" fmla="val -115745"/>
+              <a:gd name="adj3" fmla="val 16667"/>
+            </a:avLst>
+          </a:prstGeom>
+          <a:solidFill>
+            <a:schemeClr val="accent4">
+              <a:lumMod val="20000"/>
+              <a:lumOff val="80000"/>
+              <a:alpha val="46000"/>
+            </a:schemeClr>
+          </a:solidFill>
+          <a:ln>
+            <a:solidFill>
+              <a:schemeClr val="accent4"/>
+            </a:solidFill>
+          </a:ln>
+        </p:spPr>
+        <p:style>
+          <a:lnRef idx="2">
+            <a:schemeClr val="accent1">
+              <a:shade val="50000"/>
+            </a:schemeClr>
+          </a:lnRef>
+          <a:fillRef idx="1">
+            <a:schemeClr val="accent1"/>
+          </a:fillRef>
+          <a:effectRef idx="0">
+            <a:schemeClr val="accent1"/>
+          </a:effectRef>
+          <a:fontRef idx="minor">
+            <a:schemeClr val="lt1"/>
+          </a:fontRef>
+        </p:style>
+        <p:txBody>
+          <a:bodyPr rtlCol="0" anchor="ctr"/>
+          <a:lstStyle/>
+          <a:p>
+            <a:pPr algn="ctr"/>
+            <a:r>
+              <a:rPr lang="en-US" sz="1200" dirty="0">
+                <a:solidFill>
+                  <a:schemeClr val="tx1"/>
+                </a:solidFill>
+                <a:latin typeface="+mj-lt"/>
+              </a:rPr>
+              <a:t>Yellow section is created automatically when clicking on “SAVE” button. This adds coordinates of dots and names of strategies</a:t>
+            </a:r>
+          </a:p>
+        </p:txBody>
+      </p:sp>
+      <p:sp>
+        <p:nvSpPr>
+          <p:cNvPr id="28" name="Speech Bubble: Rectangle with Corners Rounded 27">
+            <a:extLst>
+              <a:ext uri="{FF2B5EF4-FFF2-40B4-BE49-F238E27FC236}">
+                <a16:creationId xmlns:a16="http://schemas.microsoft.com/office/drawing/2014/main" id="{94C12A6D-893A-9127-593A-BAB95278D8FD}"/>
+              </a:ext>
+            </a:extLst>
+          </p:cNvPr>
+          <p:cNvSpPr/>
+          <p:nvPr/>
+        </p:nvSpPr>
+        <p:spPr>
+          <a:xfrm>
+            <a:off x="210764" y="5949779"/>
+            <a:ext cx="2214880" cy="827495"/>
+          </a:xfrm>
+          <a:prstGeom prst="wedgeRoundRectCallout">
+            <a:avLst>
+              <a:gd name="adj1" fmla="val -30963"/>
+              <a:gd name="adj2" fmla="val -211223"/>
+              <a:gd name="adj3" fmla="val 16667"/>
+            </a:avLst>
+          </a:prstGeom>
+          <a:solidFill>
+            <a:schemeClr val="accent2">
+              <a:lumMod val="40000"/>
+              <a:lumOff val="60000"/>
+              <a:alpha val="46000"/>
+            </a:schemeClr>
+          </a:solidFill>
+          <a:ln>
+            <a:solidFill>
+              <a:schemeClr val="accent2">
+                <a:lumMod val="60000"/>
+                <a:lumOff val="40000"/>
+              </a:schemeClr>
+            </a:solidFill>
+          </a:ln>
+        </p:spPr>
+        <p:style>
+          <a:lnRef idx="2">
+            <a:schemeClr val="accent1">
+              <a:shade val="50000"/>
+            </a:schemeClr>
+          </a:lnRef>
+          <a:fillRef idx="1">
+            <a:schemeClr val="accent1"/>
+          </a:fillRef>
+          <a:effectRef idx="0">
+            <a:schemeClr val="accent1"/>
+          </a:effectRef>
+          <a:fontRef idx="minor">
+            <a:schemeClr val="lt1"/>
+          </a:fontRef>
+        </p:style>
+        <p:txBody>
+          <a:bodyPr rtlCol="0" anchor="ctr"/>
+          <a:lstStyle/>
+          <a:p>
+            <a:pPr algn="ctr"/>
+            <a:r>
+              <a:rPr lang="en-US" sz="1200" dirty="0">
+                <a:solidFill>
+                  <a:schemeClr val="tx1"/>
+                </a:solidFill>
+                <a:latin typeface="+mj-lt"/>
+              </a:rPr>
+              <a:t>This section will be generated when creating a user. If you are not a user, your data is not  generated / stored</a:t>
+            </a:r>
+          </a:p>
+        </p:txBody>
+      </p:sp>
+      <p:sp>
+        <p:nvSpPr>
+          <p:cNvPr id="29" name="Speech Bubble: Rectangle with Corners Rounded 28">
+            <a:extLst>
+              <a:ext uri="{FF2B5EF4-FFF2-40B4-BE49-F238E27FC236}">
+                <a16:creationId xmlns:a16="http://schemas.microsoft.com/office/drawing/2014/main" id="{0BB1936D-92C5-2CDA-DC99-EDB9B4F02EE9}"/>
+              </a:ext>
+            </a:extLst>
+          </p:cNvPr>
+          <p:cNvSpPr/>
+          <p:nvPr/>
+        </p:nvSpPr>
+        <p:spPr>
+          <a:xfrm>
+            <a:off x="4591458" y="4855642"/>
+            <a:ext cx="2214880" cy="729573"/>
+          </a:xfrm>
+          <a:prstGeom prst="wedgeRoundRectCallout">
+            <a:avLst>
+              <a:gd name="adj1" fmla="val 46665"/>
+              <a:gd name="adj2" fmla="val -120447"/>
+              <a:gd name="adj3" fmla="val 16667"/>
+            </a:avLst>
+          </a:prstGeom>
+          <a:solidFill>
+            <a:schemeClr val="accent6">
+              <a:lumMod val="40000"/>
+              <a:lumOff val="60000"/>
+              <a:alpha val="46000"/>
+            </a:schemeClr>
+          </a:solidFill>
+          <a:ln>
+            <a:solidFill>
+              <a:schemeClr val="accent6">
+                <a:lumMod val="75000"/>
+              </a:schemeClr>
+            </a:solidFill>
+          </a:ln>
+        </p:spPr>
+        <p:style>
+          <a:lnRef idx="2">
+            <a:schemeClr val="accent1">
+              <a:shade val="50000"/>
+            </a:schemeClr>
+          </a:lnRef>
+          <a:fillRef idx="1">
+            <a:schemeClr val="accent1"/>
+          </a:fillRef>
+          <a:effectRef idx="0">
+            <a:schemeClr val="accent1"/>
+          </a:effectRef>
+          <a:fontRef idx="minor">
+            <a:schemeClr val="lt1"/>
+          </a:fontRef>
+        </p:style>
+        <p:txBody>
+          <a:bodyPr rtlCol="0" anchor="ctr"/>
+          <a:lstStyle/>
+          <a:p>
+            <a:pPr algn="ctr"/>
+            <a:r>
+              <a:rPr lang="en-US" sz="1200" dirty="0">
+                <a:solidFill>
+                  <a:schemeClr val="tx1"/>
+                </a:solidFill>
+                <a:latin typeface="+mj-lt"/>
+              </a:rPr>
+              <a:t>Green section is generated when form or other section is created after “Manage” button</a:t>
+            </a:r>
+          </a:p>
+        </p:txBody>
+      </p:sp>
+      <p:cxnSp>
+        <p:nvCxnSpPr>
+          <p:cNvPr id="31" name="Connector: Elbow 30">
+            <a:extLst>
+              <a:ext uri="{FF2B5EF4-FFF2-40B4-BE49-F238E27FC236}">
+                <a16:creationId xmlns:a16="http://schemas.microsoft.com/office/drawing/2014/main" id="{00D9EB42-3ED5-2FA4-1238-D32ACE46E96D}"/>
+              </a:ext>
+            </a:extLst>
+          </p:cNvPr>
+          <p:cNvCxnSpPr/>
+          <p:nvPr/>
+        </p:nvCxnSpPr>
+        <p:spPr>
+          <a:xfrm rot="16200000" flipH="1">
+            <a:off x="5450805" y="2403657"/>
+            <a:ext cx="1297354" cy="1038594"/>
+          </a:xfrm>
+          <a:prstGeom prst="bentConnector3">
+            <a:avLst>
+              <a:gd name="adj1" fmla="val 513"/>
+            </a:avLst>
+          </a:prstGeom>
+          <a:ln w="41275">
+            <a:solidFill>
+              <a:schemeClr val="accent6">
+                <a:lumMod val="75000"/>
+              </a:schemeClr>
+            </a:solidFill>
+            <a:tailEnd type="triangle"/>
+          </a:ln>
+        </p:spPr>
+        <p:style>
+          <a:lnRef idx="1">
+            <a:schemeClr val="accent1"/>
+          </a:lnRef>
+          <a:fillRef idx="0">
+            <a:schemeClr val="accent1"/>
+          </a:fillRef>
+          <a:effectRef idx="0">
+            <a:schemeClr val="accent1"/>
+          </a:effectRef>
+          <a:fontRef idx="minor">
+            <a:schemeClr val="tx1"/>
+          </a:fontRef>
+        </p:style>
+      </p:cxnSp>
+      <p:cxnSp>
+        <p:nvCxnSpPr>
+          <p:cNvPr id="33" name="Connector: Elbow 32">
+            <a:extLst>
+              <a:ext uri="{FF2B5EF4-FFF2-40B4-BE49-F238E27FC236}">
+                <a16:creationId xmlns:a16="http://schemas.microsoft.com/office/drawing/2014/main" id="{842F76D6-7FE0-F710-4CF7-B15A026D921E}"/>
+              </a:ext>
+            </a:extLst>
+          </p:cNvPr>
+          <p:cNvCxnSpPr>
+            <a:cxnSpLocks/>
+          </p:cNvCxnSpPr>
+          <p:nvPr/>
+        </p:nvCxnSpPr>
+        <p:spPr>
+          <a:xfrm rot="5400000">
+            <a:off x="2714019" y="1770433"/>
+            <a:ext cx="2062263" cy="1692614"/>
+          </a:xfrm>
+          <a:prstGeom prst="bentConnector3">
+            <a:avLst>
+              <a:gd name="adj1" fmla="val -943"/>
+            </a:avLst>
+          </a:prstGeom>
+          <a:ln w="41275">
+            <a:solidFill>
+              <a:schemeClr val="accent4">
+                <a:lumMod val="60000"/>
+                <a:lumOff val="40000"/>
+              </a:schemeClr>
+            </a:solidFill>
+            <a:tailEnd type="triangle"/>
+          </a:ln>
+        </p:spPr>
+        <p:style>
+          <a:lnRef idx="1">
+            <a:schemeClr val="accent1"/>
+          </a:lnRef>
+          <a:fillRef idx="0">
+            <a:schemeClr val="accent1"/>
+          </a:fillRef>
+          <a:effectRef idx="0">
+            <a:schemeClr val="accent1"/>
+          </a:effectRef>
+          <a:fontRef idx="minor">
+            <a:schemeClr val="tx1"/>
+          </a:fontRef>
+        </p:style>
+      </p:cxnSp>
+      <p:sp>
+        <p:nvSpPr>
+          <p:cNvPr id="37" name="Speech Bubble: Rectangle with Corners Rounded 36">
+            <a:extLst>
+              <a:ext uri="{FF2B5EF4-FFF2-40B4-BE49-F238E27FC236}">
+                <a16:creationId xmlns:a16="http://schemas.microsoft.com/office/drawing/2014/main" id="{225785A7-7C6F-BCEE-4F6B-5E3D7BDCAE71}"/>
+              </a:ext>
+            </a:extLst>
+          </p:cNvPr>
+          <p:cNvSpPr/>
+          <p:nvPr/>
+        </p:nvSpPr>
+        <p:spPr>
+          <a:xfrm>
+            <a:off x="7351380" y="5075655"/>
+            <a:ext cx="2214880" cy="729573"/>
+          </a:xfrm>
+          <a:prstGeom prst="wedgeRoundRectCallout">
+            <a:avLst>
+              <a:gd name="adj1" fmla="val 15482"/>
+              <a:gd name="adj2" fmla="val -128447"/>
+              <a:gd name="adj3" fmla="val 16667"/>
+            </a:avLst>
+          </a:prstGeom>
+          <a:solidFill>
+            <a:schemeClr val="accent5">
+              <a:lumMod val="60000"/>
+              <a:lumOff val="40000"/>
+              <a:alpha val="46000"/>
+            </a:schemeClr>
+          </a:solidFill>
+          <a:ln>
+            <a:solidFill>
+              <a:schemeClr val="accent5">
+                <a:lumMod val="40000"/>
+                <a:lumOff val="60000"/>
+              </a:schemeClr>
+            </a:solidFill>
+          </a:ln>
+        </p:spPr>
+        <p:style>
+          <a:lnRef idx="2">
+            <a:schemeClr val="accent1">
+              <a:shade val="50000"/>
+            </a:schemeClr>
+          </a:lnRef>
+          <a:fillRef idx="1">
+            <a:schemeClr val="accent1"/>
+          </a:fillRef>
+          <a:effectRef idx="0">
+            <a:schemeClr val="accent1"/>
+          </a:effectRef>
+          <a:fontRef idx="minor">
+            <a:schemeClr val="lt1"/>
+          </a:fontRef>
+        </p:style>
+        <p:txBody>
+          <a:bodyPr rtlCol="0" anchor="ctr"/>
+          <a:lstStyle/>
+          <a:p>
+            <a:pPr algn="ctr"/>
+            <a:r>
+              <a:rPr lang="en-US" sz="1200" dirty="0">
+                <a:solidFill>
+                  <a:schemeClr val="tx1"/>
+                </a:solidFill>
+                <a:latin typeface="+mj-lt"/>
+              </a:rPr>
+              <a:t>Blue section is generated with inputs from </a:t>
+            </a:r>
+            <a:r>
+              <a:rPr lang="en-US" sz="1200" dirty="0" err="1">
+                <a:solidFill>
+                  <a:schemeClr val="tx1"/>
+                </a:solidFill>
+                <a:latin typeface="+mj-lt"/>
+              </a:rPr>
+              <a:t>barchart</a:t>
+            </a:r>
+            <a:r>
+              <a:rPr lang="en-US" sz="1200" dirty="0">
+                <a:solidFill>
+                  <a:schemeClr val="tx1"/>
+                </a:solidFill>
+                <a:latin typeface="+mj-lt"/>
+              </a:rPr>
+              <a:t> (text boxes)</a:t>
+            </a:r>
+          </a:p>
+        </p:txBody>
+      </p:sp>
+      <p:sp>
+        <p:nvSpPr>
+          <p:cNvPr id="38" name="Speech Bubble: Rectangle with Corners Rounded 37">
+            <a:extLst>
+              <a:ext uri="{FF2B5EF4-FFF2-40B4-BE49-F238E27FC236}">
+                <a16:creationId xmlns:a16="http://schemas.microsoft.com/office/drawing/2014/main" id="{B1F316F4-E08C-E30E-A0EF-6E6F04CE615D}"/>
+              </a:ext>
+            </a:extLst>
+          </p:cNvPr>
+          <p:cNvSpPr/>
+          <p:nvPr/>
+        </p:nvSpPr>
+        <p:spPr>
+          <a:xfrm>
+            <a:off x="10617454" y="6294135"/>
+            <a:ext cx="1481847" cy="465544"/>
+          </a:xfrm>
+          <a:prstGeom prst="wedgeRoundRectCallout">
+            <a:avLst>
+              <a:gd name="adj1" fmla="val -49960"/>
+              <a:gd name="adj2" fmla="val -17121"/>
+              <a:gd name="adj3" fmla="val 16667"/>
+            </a:avLst>
+          </a:prstGeom>
+          <a:solidFill>
+            <a:schemeClr val="accent4">
+              <a:lumMod val="20000"/>
+              <a:lumOff val="80000"/>
+              <a:alpha val="46000"/>
+            </a:schemeClr>
+          </a:solidFill>
+          <a:ln>
+            <a:solidFill>
+              <a:schemeClr val="accent4"/>
+            </a:solidFill>
+          </a:ln>
+        </p:spPr>
+        <p:style>
+          <a:lnRef idx="2">
+            <a:schemeClr val="accent1">
+              <a:shade val="50000"/>
+            </a:schemeClr>
+          </a:lnRef>
+          <a:fillRef idx="1">
+            <a:schemeClr val="accent1"/>
+          </a:fillRef>
+          <a:effectRef idx="0">
+            <a:schemeClr val="accent1"/>
+          </a:effectRef>
+          <a:fontRef idx="minor">
+            <a:schemeClr val="lt1"/>
+          </a:fontRef>
+        </p:style>
+        <p:txBody>
+          <a:bodyPr rtlCol="0" anchor="ctr"/>
+          <a:lstStyle/>
+          <a:p>
+            <a:pPr algn="ctr"/>
+            <a:r>
+              <a:rPr lang="en-US" sz="1200" dirty="0">
+                <a:solidFill>
+                  <a:schemeClr val="tx1"/>
+                </a:solidFill>
+                <a:latin typeface="+mj-lt"/>
+              </a:rPr>
+              <a:t>… more columns / variables (next slide)</a:t>
+            </a:r>
+          </a:p>
+        </p:txBody>
+      </p:sp>
+      <p:cxnSp>
+        <p:nvCxnSpPr>
+          <p:cNvPr id="39" name="Connector: Elbow 38">
+            <a:extLst>
+              <a:ext uri="{FF2B5EF4-FFF2-40B4-BE49-F238E27FC236}">
+                <a16:creationId xmlns:a16="http://schemas.microsoft.com/office/drawing/2014/main" id="{13B17A17-7373-7566-7C69-610D90035EF6}"/>
+              </a:ext>
+            </a:extLst>
+          </p:cNvPr>
+          <p:cNvCxnSpPr>
+            <a:cxnSpLocks/>
+          </p:cNvCxnSpPr>
+          <p:nvPr/>
+        </p:nvCxnSpPr>
+        <p:spPr>
+          <a:xfrm rot="5400000">
+            <a:off x="2410662" y="4588226"/>
+            <a:ext cx="1990456" cy="1806926"/>
+          </a:xfrm>
+          <a:prstGeom prst="bentConnector3">
+            <a:avLst>
+              <a:gd name="adj1" fmla="val 99360"/>
+            </a:avLst>
+          </a:prstGeom>
+          <a:ln w="41275">
+            <a:solidFill>
+              <a:schemeClr val="accent2">
+                <a:lumMod val="60000"/>
+                <a:lumOff val="40000"/>
+              </a:schemeClr>
+            </a:solidFill>
+            <a:tailEnd type="triangle"/>
+          </a:ln>
+        </p:spPr>
+        <p:style>
+          <a:lnRef idx="1">
+            <a:schemeClr val="accent1"/>
+          </a:lnRef>
+          <a:fillRef idx="0">
+            <a:schemeClr val="accent1"/>
+          </a:fillRef>
+          <a:effectRef idx="0">
+            <a:schemeClr val="accent1"/>
+          </a:effectRef>
+          <a:fontRef idx="minor">
+            <a:schemeClr val="tx1"/>
+          </a:fontRef>
+        </p:style>
+      </p:cxnSp>
+      <p:cxnSp>
+        <p:nvCxnSpPr>
+          <p:cNvPr id="45" name="Connector: Elbow 44">
+            <a:extLst>
+              <a:ext uri="{FF2B5EF4-FFF2-40B4-BE49-F238E27FC236}">
+                <a16:creationId xmlns:a16="http://schemas.microsoft.com/office/drawing/2014/main" id="{90AD4610-76BE-27D2-26E8-E73366A06E86}"/>
+              </a:ext>
+            </a:extLst>
+          </p:cNvPr>
+          <p:cNvCxnSpPr>
+            <a:cxnSpLocks/>
+          </p:cNvCxnSpPr>
+          <p:nvPr/>
+        </p:nvCxnSpPr>
+        <p:spPr>
+          <a:xfrm>
+            <a:off x="1152699" y="4581731"/>
+            <a:ext cx="3413827" cy="354806"/>
+          </a:xfrm>
+          <a:prstGeom prst="bentConnector3">
+            <a:avLst>
+              <a:gd name="adj1" fmla="val 704"/>
+            </a:avLst>
+          </a:prstGeom>
+          <a:ln w="41275">
+            <a:solidFill>
+              <a:schemeClr val="accent6">
+                <a:lumMod val="75000"/>
+              </a:schemeClr>
+            </a:solidFill>
+            <a:tailEnd type="triangle"/>
+          </a:ln>
+        </p:spPr>
+        <p:style>
+          <a:lnRef idx="1">
+            <a:schemeClr val="accent1"/>
+          </a:lnRef>
+          <a:fillRef idx="0">
+            <a:schemeClr val="accent1"/>
+          </a:fillRef>
+          <a:effectRef idx="0">
+            <a:schemeClr val="accent1"/>
+          </a:effectRef>
+          <a:fontRef idx="minor">
+            <a:schemeClr val="tx1"/>
+          </a:fontRef>
+        </p:style>
+      </p:cxnSp>
+    </p:spTree>
+    <p:extLst>
+      <p:ext uri="{BB962C8B-B14F-4D97-AF65-F5344CB8AC3E}">
+        <p14:creationId xmlns:p14="http://schemas.microsoft.com/office/powerpoint/2010/main" val="113184168"/>
+      </p:ext>
+    </p:extLst>
+  </p:cSld>
+  <p:clrMapOvr>
+    <a:masterClrMapping/>
+  </p:clrMapOvr>
+</p:sld>
+</file>
+
+<file path=ppt/slides/slide9.xml><?xml version="1.0" encoding="utf-8"?>
+<p:sld xmlns:a="http://schemas.openxmlformats.org/drawingml/2006/main" xmlns:r="http://schemas.openxmlformats.org/officeDocument/2006/relationships" xmlns:p="http://schemas.openxmlformats.org/presentationml/2006/main">
+  <p:cSld>
+    <p:bg>
+      <p:bgPr>
+        <a:solidFill>
+          <a:schemeClr val="accent1">
+            <a:lumMod val="50000"/>
+          </a:schemeClr>
+        </a:solidFill>
+        <a:effectLst/>
+      </p:bgPr>
+    </p:bg>
+    <p:spTree>
+      <p:nvGrpSpPr>
+        <p:cNvPr id="1" name=""/>
+        <p:cNvGrpSpPr/>
+        <p:nvPr/>
+      </p:nvGrpSpPr>
+      <p:grpSpPr>
+        <a:xfrm>
+          <a:off x="0" y="0"/>
+          <a:ext cx="0" cy="0"/>
+          <a:chOff x="0" y="0"/>
+          <a:chExt cx="0" cy="0"/>
+        </a:xfrm>
+      </p:grpSpPr>
       <p:sp>
         <p:nvSpPr>
           <p:cNvPr id="2" name="TextBox 1">
